--- a/inclass-27/Reflect-lh11.pptx
+++ b/inclass-27/Reflect-lh11.pptx
@@ -5881,6 +5881,30 @@
           <a:chExt cx="0" cy="0"/>
         </a:xfrm>
       </p:grpSpPr>
+      <p:pic>
+        <p:nvPicPr>
+          <p:cNvPr id="3" name="图片 2"/>
+          <p:cNvPicPr>
+            <a:picLocks noChangeAspect="1"/>
+          </p:cNvPicPr>
+          <p:nvPr/>
+        </p:nvPicPr>
+        <p:blipFill>
+          <a:blip r:embed="rId2"/>
+          <a:stretch>
+            <a:fillRect/>
+          </a:stretch>
+        </p:blipFill>
+        <p:spPr>
+          <a:xfrm>
+            <a:off x="364354" y="4270357"/>
+            <a:ext cx="4882954" cy="669619"/>
+          </a:xfrm>
+          <a:prstGeom prst="rect">
+            <a:avLst/>
+          </a:prstGeom>
+        </p:spPr>
+      </p:pic>
       <p:sp>
         <p:nvSpPr>
           <p:cNvPr id="2" name="标题 1"/>
@@ -5927,7 +5951,7 @@
           <p:nvPr/>
         </p:nvPicPr>
         <p:blipFill>
-          <a:blip r:embed="rId2"/>
+          <a:blip r:embed="rId3"/>
           <a:stretch>
             <a:fillRect/>
           </a:stretch>
@@ -5951,14 +5975,14 @@
           <p:nvPr/>
         </p:nvPicPr>
         <p:blipFill>
-          <a:blip r:embed="rId3"/>
+          <a:blip r:embed="rId4"/>
           <a:stretch>
             <a:fillRect/>
           </a:stretch>
         </p:blipFill>
         <p:spPr>
           <a:xfrm>
-            <a:off x="4730100" y="1148899"/>
+            <a:off x="4730100" y="989145"/>
             <a:ext cx="4109100" cy="3598124"/>
           </a:xfrm>
           <a:prstGeom prst="rect">
